--- a/reference_material/slides/017_arg_kwarg.pptx
+++ b/reference_material/slides/017_arg_kwarg.pptx
@@ -10,6 +10,8 @@
     <p:sldId id="257" r:id="rId4"/>
     <p:sldId id="258" r:id="rId5"/>
     <p:sldId id="259" r:id="rId6"/>
+    <p:sldId id="261" r:id="rId7"/>
+    <p:sldId id="262" r:id="rId8"/>
   </p:sldIdLst>
   <p:sldSz cx="12192000" cy="6858000"/>
   <p:notesSz cx="6858000" cy="9144000"/>
@@ -108,6 +110,11 @@
       </a:defRPr>
     </a:lvl9pPr>
   </p:defaultTextStyle>
+  <p:extLst>
+    <p:ext uri="{EFAFB233-063F-42B5-8137-9DF3F51BA10A}">
+      <p15:sldGuideLst xmlns:p15="http://schemas.microsoft.com/office/powerpoint/2012/main"/>
+    </p:ext>
+  </p:extLst>
 </p:presentation>
 </file>
 
@@ -250,7 +257,7 @@
           <a:p>
             <a:fld id="{C1244B5F-A080-A345-B738-2F0239A2B5B8}" type="datetimeFigureOut">
               <a:rPr lang="en-US" smtClean="0"/>
-              <a:t>10/25/23</a:t>
+              <a:t>10/9/24</a:t>
             </a:fld>
             <a:endParaRPr lang="en-US"/>
           </a:p>
@@ -461,7 +468,7 @@
           <a:p>
             <a:fld id="{C1244B5F-A080-A345-B738-2F0239A2B5B8}" type="datetimeFigureOut">
               <a:rPr lang="en-US" smtClean="0"/>
-              <a:t>10/25/23</a:t>
+              <a:t>10/9/24</a:t>
             </a:fld>
             <a:endParaRPr lang="en-US"/>
           </a:p>
@@ -676,7 +683,7 @@
           <a:p>
             <a:fld id="{C1244B5F-A080-A345-B738-2F0239A2B5B8}" type="datetimeFigureOut">
               <a:rPr lang="en-US" smtClean="0"/>
-              <a:t>10/25/23</a:t>
+              <a:t>10/9/24</a:t>
             </a:fld>
             <a:endParaRPr lang="en-US"/>
           </a:p>
@@ -877,7 +884,7 @@
           <a:p>
             <a:fld id="{C1244B5F-A080-A345-B738-2F0239A2B5B8}" type="datetimeFigureOut">
               <a:rPr lang="en-US" smtClean="0"/>
-              <a:t>10/25/23</a:t>
+              <a:t>10/9/24</a:t>
             </a:fld>
             <a:endParaRPr lang="en-US"/>
           </a:p>
@@ -1156,7 +1163,7 @@
           <a:p>
             <a:fld id="{C1244B5F-A080-A345-B738-2F0239A2B5B8}" type="datetimeFigureOut">
               <a:rPr lang="en-US" smtClean="0"/>
-              <a:t>10/25/23</a:t>
+              <a:t>10/9/24</a:t>
             </a:fld>
             <a:endParaRPr lang="en-US"/>
           </a:p>
@@ -1424,7 +1431,7 @@
           <a:p>
             <a:fld id="{C1244B5F-A080-A345-B738-2F0239A2B5B8}" type="datetimeFigureOut">
               <a:rPr lang="en-US" smtClean="0"/>
-              <a:t>10/25/23</a:t>
+              <a:t>10/9/24</a:t>
             </a:fld>
             <a:endParaRPr lang="en-US"/>
           </a:p>
@@ -1840,7 +1847,7 @@
           <a:p>
             <a:fld id="{C1244B5F-A080-A345-B738-2F0239A2B5B8}" type="datetimeFigureOut">
               <a:rPr lang="en-US" smtClean="0"/>
-              <a:t>10/25/23</a:t>
+              <a:t>10/9/24</a:t>
             </a:fld>
             <a:endParaRPr lang="en-US"/>
           </a:p>
@@ -1989,7 +1996,7 @@
           <a:p>
             <a:fld id="{C1244B5F-A080-A345-B738-2F0239A2B5B8}" type="datetimeFigureOut">
               <a:rPr lang="en-US" smtClean="0"/>
-              <a:t>10/25/23</a:t>
+              <a:t>10/9/24</a:t>
             </a:fld>
             <a:endParaRPr lang="en-US"/>
           </a:p>
@@ -2115,7 +2122,7 @@
           <a:p>
             <a:fld id="{C1244B5F-A080-A345-B738-2F0239A2B5B8}" type="datetimeFigureOut">
               <a:rPr lang="en-US" smtClean="0"/>
-              <a:t>10/25/23</a:t>
+              <a:t>10/9/24</a:t>
             </a:fld>
             <a:endParaRPr lang="en-US"/>
           </a:p>
@@ -2366,7 +2373,7 @@
           <a:p>
             <a:fld id="{C1244B5F-A080-A345-B738-2F0239A2B5B8}" type="datetimeFigureOut">
               <a:rPr lang="en-US" smtClean="0"/>
-              <a:t>10/25/23</a:t>
+              <a:t>10/9/24</a:t>
             </a:fld>
             <a:endParaRPr lang="en-US"/>
           </a:p>
@@ -2811,7 +2818,7 @@
           <a:p>
             <a:fld id="{C1244B5F-A080-A345-B738-2F0239A2B5B8}" type="datetimeFigureOut">
               <a:rPr lang="en-US" smtClean="0"/>
-              <a:t>10/25/23</a:t>
+              <a:t>10/9/24</a:t>
             </a:fld>
             <a:endParaRPr lang="en-US"/>
           </a:p>
@@ -3138,7 +3145,7 @@
           <a:p>
             <a:fld id="{C1244B5F-A080-A345-B738-2F0239A2B5B8}" type="datetimeFigureOut">
               <a:rPr lang="en-US" smtClean="0"/>
-              <a:t>10/25/23</a:t>
+              <a:t>10/9/24</a:t>
             </a:fld>
             <a:endParaRPr lang="en-US"/>
           </a:p>
@@ -4364,6 +4371,464 @@
 </p:sld>
 </file>
 
+<file path=ppt/slides/slide6.xml><?xml version="1.0" encoding="utf-8"?>
+<p:sld xmlns:a="http://schemas.openxmlformats.org/drawingml/2006/main" xmlns:r="http://schemas.openxmlformats.org/officeDocument/2006/relationships" xmlns:p="http://schemas.openxmlformats.org/presentationml/2006/main">
+  <p:cSld>
+    <p:bg>
+      <p:bgPr>
+        <a:gradFill rotWithShape="1">
+          <a:gsLst>
+            <a:gs pos="0">
+              <a:schemeClr val="bg2">
+                <a:tint val="94000"/>
+                <a:satMod val="80000"/>
+                <a:lumMod val="106000"/>
+              </a:schemeClr>
+            </a:gs>
+            <a:gs pos="100000">
+              <a:schemeClr val="bg2">
+                <a:shade val="80000"/>
+              </a:schemeClr>
+            </a:gs>
+          </a:gsLst>
+          <a:path path="circle">
+            <a:fillToRect l="43000" r="43000" b="100000"/>
+          </a:path>
+        </a:gradFill>
+        <a:effectLst/>
+      </p:bgPr>
+    </p:bg>
+    <p:spTree>
+      <p:nvGrpSpPr>
+        <p:cNvPr id="1" name=""/>
+        <p:cNvGrpSpPr/>
+        <p:nvPr/>
+      </p:nvGrpSpPr>
+      <p:grpSpPr>
+        <a:xfrm>
+          <a:off x="0" y="0"/>
+          <a:ext cx="0" cy="0"/>
+          <a:chOff x="0" y="0"/>
+          <a:chExt cx="0" cy="0"/>
+        </a:xfrm>
+      </p:grpSpPr>
+      <p:sp>
+        <p:nvSpPr>
+          <p:cNvPr id="2" name="Title 1">
+            <a:extLst>
+              <a:ext uri="{FF2B5EF4-FFF2-40B4-BE49-F238E27FC236}">
+                <a16:creationId xmlns:a16="http://schemas.microsoft.com/office/drawing/2014/main" id="{D13A7B0A-595F-B56A-4AB7-5C0CE28FCAD6}"/>
+              </a:ext>
+            </a:extLst>
+          </p:cNvPr>
+          <p:cNvSpPr>
+            <a:spLocks noGrp="1"/>
+          </p:cNvSpPr>
+          <p:nvPr>
+            <p:ph type="title"/>
+          </p:nvPr>
+        </p:nvSpPr>
+        <p:spPr>
+          <a:xfrm>
+            <a:off x="1451579" y="804519"/>
+            <a:ext cx="9603275" cy="1049235"/>
+          </a:xfrm>
+        </p:spPr>
+        <p:txBody>
+          <a:bodyPr>
+            <a:normAutofit/>
+          </a:bodyPr>
+          <a:lstStyle/>
+          <a:p>
+            <a:r>
+              <a:rPr lang="en-US" dirty="0"/>
+              <a:t>Order</a:t>
+            </a:r>
+          </a:p>
+        </p:txBody>
+      </p:sp>
+      <p:sp>
+        <p:nvSpPr>
+          <p:cNvPr id="3" name="Content Placeholder 2">
+            <a:extLst>
+              <a:ext uri="{FF2B5EF4-FFF2-40B4-BE49-F238E27FC236}">
+                <a16:creationId xmlns:a16="http://schemas.microsoft.com/office/drawing/2014/main" id="{592F5EF9-C1EE-AC92-35A8-936338536473}"/>
+              </a:ext>
+            </a:extLst>
+          </p:cNvPr>
+          <p:cNvSpPr>
+            <a:spLocks noGrp="1"/>
+          </p:cNvSpPr>
+          <p:nvPr>
+            <p:ph idx="1"/>
+          </p:nvPr>
+        </p:nvSpPr>
+        <p:spPr>
+          <a:xfrm>
+            <a:off x="0" y="2015734"/>
+            <a:ext cx="5597612" cy="4125574"/>
+          </a:xfrm>
+        </p:spPr>
+        <p:txBody>
+          <a:bodyPr>
+            <a:normAutofit/>
+          </a:bodyPr>
+          <a:lstStyle/>
+          <a:p>
+            <a:r>
+              <a:rPr lang="en-US" dirty="0" err="1"/>
+              <a:t>Args</a:t>
+            </a:r>
+            <a:r>
+              <a:rPr lang="en-US" dirty="0"/>
+              <a:t> and </a:t>
+            </a:r>
+            <a:r>
+              <a:rPr lang="en-US" dirty="0" err="1"/>
+              <a:t>kwargs</a:t>
+            </a:r>
+            <a:r>
+              <a:rPr lang="en-US" dirty="0"/>
+              <a:t> must go in a specific order in arguments. </a:t>
+            </a:r>
+          </a:p>
+          <a:p>
+            <a:r>
+              <a:rPr lang="en-US" dirty="0"/>
+              <a:t>Order:</a:t>
+            </a:r>
+          </a:p>
+          <a:p>
+            <a:pPr lvl="1"/>
+            <a:r>
+              <a:rPr lang="en-US" dirty="0"/>
+              <a:t>Unnamed arguments</a:t>
+            </a:r>
+          </a:p>
+          <a:p>
+            <a:pPr lvl="1"/>
+            <a:r>
+              <a:rPr lang="en-US" dirty="0"/>
+              <a:t>*</a:t>
+            </a:r>
+            <a:r>
+              <a:rPr lang="en-US" dirty="0" err="1"/>
+              <a:t>args</a:t>
+            </a:r>
+            <a:endParaRPr lang="en-US" dirty="0"/>
+          </a:p>
+          <a:p>
+            <a:pPr lvl="1"/>
+            <a:r>
+              <a:rPr lang="en-US" dirty="0"/>
+              <a:t>Named arguments (e.g. </a:t>
+            </a:r>
+            <a:r>
+              <a:rPr lang="en-US" dirty="0" err="1"/>
+              <a:t>isNegative</a:t>
+            </a:r>
+            <a:r>
+              <a:rPr lang="en-US" dirty="0"/>
+              <a:t> = True)</a:t>
+            </a:r>
+          </a:p>
+          <a:p>
+            <a:pPr lvl="1"/>
+            <a:r>
+              <a:rPr lang="en-US" dirty="0"/>
+              <a:t>**</a:t>
+            </a:r>
+            <a:r>
+              <a:rPr lang="en-US" dirty="0" err="1"/>
+              <a:t>kwargs</a:t>
+            </a:r>
+            <a:endParaRPr lang="en-US" dirty="0"/>
+          </a:p>
+          <a:p>
+            <a:r>
+              <a:rPr lang="en-US" dirty="0"/>
+              <a:t>This order is a universal rule. </a:t>
+            </a:r>
+          </a:p>
+        </p:txBody>
+      </p:sp>
+      <p:pic>
+        <p:nvPicPr>
+          <p:cNvPr id="1026" name="Picture 2" descr="args-kwargs-05-err">
+            <a:extLst>
+              <a:ext uri="{FF2B5EF4-FFF2-40B4-BE49-F238E27FC236}">
+                <a16:creationId xmlns:a16="http://schemas.microsoft.com/office/drawing/2014/main" id="{915B4338-BF7A-14C2-AB02-094366AE2D94}"/>
+              </a:ext>
+            </a:extLst>
+          </p:cNvPr>
+          <p:cNvPicPr>
+            <a:picLocks noChangeAspect="1" noChangeArrowheads="1"/>
+          </p:cNvPicPr>
+          <p:nvPr/>
+        </p:nvPicPr>
+        <p:blipFill rotWithShape="1">
+          <a:blip r:embed="rId2">
+            <a:extLst>
+              <a:ext uri="{28A0092B-C50C-407E-A947-70E740481C1C}">
+                <a14:useLocalDpi xmlns:a14="http://schemas.microsoft.com/office/drawing/2010/main" val="0"/>
+              </a:ext>
+            </a:extLst>
+          </a:blip>
+          <a:srcRect r="34785"/>
+          <a:stretch/>
+        </p:blipFill>
+        <p:spPr bwMode="auto">
+          <a:xfrm>
+            <a:off x="6096000" y="1329136"/>
+            <a:ext cx="6002853" cy="5177667"/>
+          </a:xfrm>
+          <a:prstGeom prst="rect">
+            <a:avLst/>
+          </a:prstGeom>
+          <a:noFill/>
+          <a:extLst>
+            <a:ext uri="{909E8E84-426E-40DD-AFC4-6F175D3DCCD1}">
+              <a14:hiddenFill xmlns:a14="http://schemas.microsoft.com/office/drawing/2010/main">
+                <a:solidFill>
+                  <a:srgbClr val="FFFFFF"/>
+                </a:solidFill>
+              </a14:hiddenFill>
+            </a:ext>
+          </a:extLst>
+        </p:spPr>
+      </p:pic>
+    </p:spTree>
+    <p:extLst>
+      <p:ext uri="{BB962C8B-B14F-4D97-AF65-F5344CB8AC3E}">
+        <p14:creationId xmlns:p14="http://schemas.microsoft.com/office/powerpoint/2010/main" val="4136588445"/>
+      </p:ext>
+    </p:extLst>
+  </p:cSld>
+  <p:clrMapOvr>
+    <a:masterClrMapping/>
+  </p:clrMapOvr>
+</p:sld>
+</file>
+
+<file path=ppt/slides/slide7.xml><?xml version="1.0" encoding="utf-8"?>
+<p:sld xmlns:a="http://schemas.openxmlformats.org/drawingml/2006/main" xmlns:r="http://schemas.openxmlformats.org/officeDocument/2006/relationships" xmlns:p="http://schemas.openxmlformats.org/presentationml/2006/main">
+  <p:cSld>
+    <p:spTree>
+      <p:nvGrpSpPr>
+        <p:cNvPr id="1" name=""/>
+        <p:cNvGrpSpPr/>
+        <p:nvPr/>
+      </p:nvGrpSpPr>
+      <p:grpSpPr>
+        <a:xfrm>
+          <a:off x="0" y="0"/>
+          <a:ext cx="0" cy="0"/>
+          <a:chOff x="0" y="0"/>
+          <a:chExt cx="0" cy="0"/>
+        </a:xfrm>
+      </p:grpSpPr>
+      <p:sp>
+        <p:nvSpPr>
+          <p:cNvPr id="2" name="Title 1">
+            <a:extLst>
+              <a:ext uri="{FF2B5EF4-FFF2-40B4-BE49-F238E27FC236}">
+                <a16:creationId xmlns:a16="http://schemas.microsoft.com/office/drawing/2014/main" id="{67224D67-BF4D-AD60-7358-C59D8808A88D}"/>
+              </a:ext>
+            </a:extLst>
+          </p:cNvPr>
+          <p:cNvSpPr>
+            <a:spLocks noGrp="1"/>
+          </p:cNvSpPr>
+          <p:nvPr>
+            <p:ph type="title"/>
+          </p:nvPr>
+        </p:nvSpPr>
+        <p:spPr/>
+        <p:txBody>
+          <a:bodyPr/>
+          <a:lstStyle/>
+          <a:p>
+            <a:r>
+              <a:rPr lang="en-US" dirty="0"/>
+              <a:t>Arguments, </a:t>
+            </a:r>
+            <a:r>
+              <a:rPr lang="en-US" dirty="0" err="1"/>
+              <a:t>Args</a:t>
+            </a:r>
+            <a:r>
+              <a:rPr lang="en-US" dirty="0"/>
+              <a:t>, and </a:t>
+            </a:r>
+            <a:r>
+              <a:rPr lang="en-US" dirty="0" err="1"/>
+              <a:t>Kwargs</a:t>
+            </a:r>
+            <a:endParaRPr lang="en-US" dirty="0"/>
+          </a:p>
+        </p:txBody>
+      </p:sp>
+      <p:sp>
+        <p:nvSpPr>
+          <p:cNvPr id="3" name="Content Placeholder 2">
+            <a:extLst>
+              <a:ext uri="{FF2B5EF4-FFF2-40B4-BE49-F238E27FC236}">
+                <a16:creationId xmlns:a16="http://schemas.microsoft.com/office/drawing/2014/main" id="{23FD54D3-2612-E058-A119-83C8C784AB20}"/>
+              </a:ext>
+            </a:extLst>
+          </p:cNvPr>
+          <p:cNvSpPr>
+            <a:spLocks noGrp="1"/>
+          </p:cNvSpPr>
+          <p:nvPr>
+            <p:ph idx="1"/>
+          </p:nvPr>
+        </p:nvSpPr>
+        <p:spPr>
+          <a:xfrm>
+            <a:off x="1451579" y="1853754"/>
+            <a:ext cx="9603275" cy="4199727"/>
+          </a:xfrm>
+        </p:spPr>
+        <p:txBody>
+          <a:bodyPr>
+            <a:normAutofit/>
+          </a:bodyPr>
+          <a:lstStyle/>
+          <a:p>
+            <a:r>
+              <a:rPr lang="en-US" dirty="0" err="1"/>
+              <a:t>Args</a:t>
+            </a:r>
+            <a:r>
+              <a:rPr lang="en-US" dirty="0"/>
+              <a:t> and </a:t>
+            </a:r>
+            <a:r>
+              <a:rPr lang="en-US" dirty="0" err="1"/>
+              <a:t>kwargs</a:t>
+            </a:r>
+            <a:r>
+              <a:rPr lang="en-US" dirty="0"/>
+              <a:t> are ways to package arguments more seamlessly. </a:t>
+            </a:r>
+          </a:p>
+          <a:p>
+            <a:r>
+              <a:rPr lang="en-US" dirty="0"/>
+              <a:t>They don’t do anything different, just with less work. </a:t>
+            </a:r>
+          </a:p>
+          <a:p>
+            <a:pPr lvl="1"/>
+            <a:r>
+              <a:rPr lang="en-US" dirty="0"/>
+              <a:t>You could manually pass a list/</a:t>
+            </a:r>
+            <a:r>
+              <a:rPr lang="en-US" dirty="0" err="1"/>
+              <a:t>dict</a:t>
+            </a:r>
+            <a:r>
+              <a:rPr lang="en-US" dirty="0"/>
+              <a:t> easily without using them if desired. </a:t>
+            </a:r>
+          </a:p>
+          <a:p>
+            <a:r>
+              <a:rPr lang="en-US" dirty="0"/>
+              <a:t>Common in scenarios where:</a:t>
+            </a:r>
+          </a:p>
+          <a:p>
+            <a:pPr lvl="1"/>
+            <a:r>
+              <a:rPr lang="en-US" dirty="0" err="1"/>
+              <a:t>Args</a:t>
+            </a:r>
+            <a:r>
+              <a:rPr lang="en-US" dirty="0"/>
+              <a:t>: expectation of a data structure of data, # of elements irrespective. E.g. sum, std.  </a:t>
+            </a:r>
+          </a:p>
+          <a:p>
+            <a:pPr lvl="1"/>
+            <a:r>
+              <a:rPr lang="en-US" dirty="0" err="1"/>
+              <a:t>Kwargs</a:t>
+            </a:r>
+            <a:r>
+              <a:rPr lang="en-US" dirty="0"/>
+              <a:t>: lots of less used arguments. E.g. display options in seaborn. </a:t>
+            </a:r>
+          </a:p>
+          <a:p>
+            <a:r>
+              <a:rPr lang="en-US" dirty="0"/>
+              <a:t>The argument order is something that always applies. </a:t>
+            </a:r>
+          </a:p>
+          <a:p>
+            <a:pPr lvl="1"/>
+            <a:r>
+              <a:rPr lang="en-US" dirty="0"/>
+              <a:t>Unnamed, </a:t>
+            </a:r>
+            <a:r>
+              <a:rPr lang="en-US" dirty="0" err="1"/>
+              <a:t>args</a:t>
+            </a:r>
+            <a:r>
+              <a:rPr lang="en-US" dirty="0"/>
+              <a:t>, named, </a:t>
+            </a:r>
+            <a:r>
+              <a:rPr lang="en-US" dirty="0" err="1"/>
+              <a:t>kwargs</a:t>
+            </a:r>
+            <a:r>
+              <a:rPr lang="en-US" dirty="0"/>
+              <a:t> if using </a:t>
+            </a:r>
+            <a:r>
+              <a:rPr lang="en-US" dirty="0" err="1"/>
+              <a:t>args</a:t>
+            </a:r>
+            <a:r>
+              <a:rPr lang="en-US" dirty="0"/>
+              <a:t>/</a:t>
+            </a:r>
+            <a:r>
+              <a:rPr lang="en-US" dirty="0" err="1"/>
+              <a:t>kwargs</a:t>
+            </a:r>
+            <a:r>
+              <a:rPr lang="en-US" dirty="0"/>
+              <a:t>. </a:t>
+            </a:r>
+          </a:p>
+          <a:p>
+            <a:pPr lvl="1"/>
+            <a:r>
+              <a:rPr lang="en-US" dirty="0"/>
+              <a:t>Unnamed, named if only using regular arguments. </a:t>
+            </a:r>
+          </a:p>
+        </p:txBody>
+      </p:sp>
+    </p:spTree>
+    <p:extLst>
+      <p:ext uri="{BB962C8B-B14F-4D97-AF65-F5344CB8AC3E}">
+        <p14:creationId xmlns:p14="http://schemas.microsoft.com/office/powerpoint/2010/main" val="1768977489"/>
+      </p:ext>
+    </p:extLst>
+  </p:cSld>
+  <p:clrMapOvr>
+    <a:masterClrMapping/>
+  </p:clrMapOvr>
+</p:sld>
+</file>
+
 <file path=ppt/theme/theme1.xml><?xml version="1.0" encoding="utf-8"?>
 <a:theme xmlns:a="http://schemas.openxmlformats.org/drawingml/2006/main" name="Gallery">
   <a:themeElements>
